--- a/Webben.pptx
+++ b/Webben.pptx
@@ -5,10 +5,10 @@
     <p:sldMasterId id="2147483660" r:id="rId4"/>
   </p:sldMasterIdLst>
   <p:notesMasterIdLst>
-    <p:notesMasterId r:id="rId18"/>
+    <p:notesMasterId r:id="rId16"/>
   </p:notesMasterIdLst>
   <p:handoutMasterIdLst>
-    <p:handoutMasterId r:id="rId19"/>
+    <p:handoutMasterId r:id="rId17"/>
   </p:handoutMasterIdLst>
   <p:sldIdLst>
     <p:sldId id="256" r:id="rId5"/>
@@ -22,8 +22,6 @@
     <p:sldId id="270" r:id="rId13"/>
     <p:sldId id="271" r:id="rId14"/>
     <p:sldId id="273" r:id="rId15"/>
-    <p:sldId id="265" r:id="rId16"/>
-    <p:sldId id="259" r:id="rId17"/>
   </p:sldIdLst>
   <p:sldSz cx="12192000" cy="6858000"/>
   <p:notesSz cx="6858000" cy="9144000"/>
@@ -227,7 +225,7 @@
           <a:p>
             <a:fld id="{18E9A1B5-1BE4-4CD6-80C4-143959F034D3}" type="datetimeFigureOut">
               <a:rPr lang="en-US" smtClean="0"/>
-              <a:t>8/17/2020</a:t>
+              <a:t>8/21/2022</a:t>
             </a:fld>
             <a:endParaRPr lang="en-US" dirty="0"/>
           </a:p>
@@ -404,7 +402,7 @@
           <a:p>
             <a:fld id="{D8E6120A-21AF-4F12-ABAA-66A70823631B}" type="datetimeFigureOut">
               <a:rPr lang="en-US" smtClean="0"/>
-              <a:t>8/17/2020</a:t>
+              <a:t>8/21/2022</a:t>
             </a:fld>
             <a:endParaRPr lang="en-US" dirty="0"/>
           </a:p>
@@ -2546,7 +2544,7 @@
           <a:p>
             <a:fld id="{EF63B152-7103-4FFE-90AC-D94EB7F44A7E}" type="datetimeFigureOut">
               <a:rPr lang="en-US" smtClean="0"/>
-              <a:t>8/17/2020</a:t>
+              <a:t>8/21/2022</a:t>
             </a:fld>
             <a:endParaRPr lang="en-US" dirty="0"/>
           </a:p>
@@ -2784,7 +2782,7 @@
           <a:p>
             <a:fld id="{EF63B152-7103-4FFE-90AC-D94EB7F44A7E}" type="datetimeFigureOut">
               <a:rPr lang="en-US" smtClean="0"/>
-              <a:t>8/17/2020</a:t>
+              <a:t>8/21/2022</a:t>
             </a:fld>
             <a:endParaRPr lang="en-US" dirty="0"/>
           </a:p>
@@ -2964,7 +2962,7 @@
           <a:p>
             <a:fld id="{EF63B152-7103-4FFE-90AC-D94EB7F44A7E}" type="datetimeFigureOut">
               <a:rPr lang="en-US" smtClean="0"/>
-              <a:t>8/17/2020</a:t>
+              <a:t>8/21/2022</a:t>
             </a:fld>
             <a:endParaRPr lang="en-US" dirty="0"/>
           </a:p>
@@ -3134,7 +3132,7 @@
           <a:p>
             <a:fld id="{EF63B152-7103-4FFE-90AC-D94EB7F44A7E}" type="datetimeFigureOut">
               <a:rPr lang="en-US" smtClean="0"/>
-              <a:t>8/17/2020</a:t>
+              <a:t>8/21/2022</a:t>
             </a:fld>
             <a:endParaRPr lang="en-US" dirty="0"/>
           </a:p>
@@ -3410,7 +3408,7 @@
           <a:p>
             <a:fld id="{EF63B152-7103-4FFE-90AC-D94EB7F44A7E}" type="datetimeFigureOut">
               <a:rPr lang="en-US" smtClean="0"/>
-              <a:t>8/17/2020</a:t>
+              <a:t>8/21/2022</a:t>
             </a:fld>
             <a:endParaRPr lang="en-US" dirty="0"/>
           </a:p>
@@ -4611,7 +4609,7 @@
           <a:p>
             <a:fld id="{EF63B152-7103-4FFE-90AC-D94EB7F44A7E}" type="datetimeFigureOut">
               <a:rPr lang="en-US" smtClean="0"/>
-              <a:t>8/17/2020</a:t>
+              <a:t>8/21/2022</a:t>
             </a:fld>
             <a:endParaRPr lang="en-US" dirty="0"/>
           </a:p>
@@ -5001,7 +4999,7 @@
           <a:p>
             <a:fld id="{EF63B152-7103-4FFE-90AC-D94EB7F44A7E}" type="datetimeFigureOut">
               <a:rPr lang="en-US" smtClean="0"/>
-              <a:t>8/17/2020</a:t>
+              <a:t>8/21/2022</a:t>
             </a:fld>
             <a:endParaRPr lang="en-US" dirty="0"/>
           </a:p>
@@ -5124,7 +5122,7 @@
           <a:p>
             <a:fld id="{EF63B152-7103-4FFE-90AC-D94EB7F44A7E}" type="datetimeFigureOut">
               <a:rPr lang="en-US" smtClean="0"/>
-              <a:t>8/17/2020</a:t>
+              <a:t>8/21/2022</a:t>
             </a:fld>
             <a:endParaRPr lang="en-US" dirty="0"/>
           </a:p>
@@ -5219,7 +5217,7 @@
           <a:p>
             <a:fld id="{EF63B152-7103-4FFE-90AC-D94EB7F44A7E}" type="datetimeFigureOut">
               <a:rPr lang="en-US" smtClean="0"/>
-              <a:t>8/17/2020</a:t>
+              <a:t>8/21/2022</a:t>
             </a:fld>
             <a:endParaRPr lang="en-US" dirty="0"/>
           </a:p>
@@ -5982,7 +5980,7 @@
           <a:p>
             <a:fld id="{EF63B152-7103-4FFE-90AC-D94EB7F44A7E}" type="datetimeFigureOut">
               <a:rPr lang="en-US" smtClean="0"/>
-              <a:t>8/17/2020</a:t>
+              <a:t>8/21/2022</a:t>
             </a:fld>
             <a:endParaRPr lang="en-US" dirty="0"/>
           </a:p>
@@ -6822,7 +6820,7 @@
           <a:p>
             <a:fld id="{EF63B152-7103-4FFE-90AC-D94EB7F44A7E}" type="datetimeFigureOut">
               <a:rPr lang="en-US" smtClean="0"/>
-              <a:t>8/17/2020</a:t>
+              <a:t>8/21/2022</a:t>
             </a:fld>
             <a:endParaRPr lang="en-US" dirty="0"/>
           </a:p>
@@ -7049,7 +7047,7 @@
           <a:p>
             <a:fld id="{EF63B152-7103-4FFE-90AC-D94EB7F44A7E}" type="datetimeFigureOut">
               <a:rPr lang="en-US" smtClean="0"/>
-              <a:t>8/17/2020</a:t>
+              <a:t>8/21/2022</a:t>
             </a:fld>
             <a:endParaRPr lang="en-US" dirty="0"/>
           </a:p>
@@ -8527,7 +8525,7 @@
           <a:noFill/>
           <a:extLst>
             <a:ext uri="{909E8E84-426E-40dd-AFC4-6F175D3DCCD1}">
-              <a14:hiddenFill xmlns:a14="http://schemas.microsoft.com/office/drawing/2010/main" xmlns="">
+              <a14:hiddenFill xmlns="" xmlns:a14="http://schemas.microsoft.com/office/drawing/2010/main">
                 <a:solidFill>
                   <a:srgbClr val="FFFFFF"/>
                 </a:solidFill>
@@ -8574,7 +8572,7 @@
           <a:noFill/>
           <a:extLst>
             <a:ext uri="{909E8E84-426E-40dd-AFC4-6F175D3DCCD1}">
-              <a14:hiddenFill xmlns:a14="http://schemas.microsoft.com/office/drawing/2010/main" xmlns="">
+              <a14:hiddenFill xmlns="" xmlns:a14="http://schemas.microsoft.com/office/drawing/2010/main">
                 <a:solidFill>
                   <a:srgbClr val="FFFFFF"/>
                 </a:solidFill>
@@ -8621,7 +8619,7 @@
           <a:noFill/>
           <a:extLst>
             <a:ext uri="{909E8E84-426E-40dd-AFC4-6F175D3DCCD1}">
-              <a14:hiddenFill xmlns:a14="http://schemas.microsoft.com/office/drawing/2010/main" xmlns="">
+              <a14:hiddenFill xmlns="" xmlns:a14="http://schemas.microsoft.com/office/drawing/2010/main">
                 <a:solidFill>
                   <a:srgbClr val="FFFFFF"/>
                 </a:solidFill>
@@ -8668,7 +8666,7 @@
           <a:noFill/>
           <a:extLst>
             <a:ext uri="{909E8E84-426E-40dd-AFC4-6F175D3DCCD1}">
-              <a14:hiddenFill xmlns:a14="http://schemas.microsoft.com/office/drawing/2010/main" xmlns="">
+              <a14:hiddenFill xmlns="" xmlns:a14="http://schemas.microsoft.com/office/drawing/2010/main">
                 <a:solidFill>
                   <a:srgbClr val="FFFFFF"/>
                 </a:solidFill>
@@ -8715,7 +8713,7 @@
           <a:noFill/>
           <a:extLst>
             <a:ext uri="{909E8E84-426E-40dd-AFC4-6F175D3DCCD1}">
-              <a14:hiddenFill xmlns:a14="http://schemas.microsoft.com/office/drawing/2010/main" xmlns="">
+              <a14:hiddenFill xmlns="" xmlns:a14="http://schemas.microsoft.com/office/drawing/2010/main">
                 <a:solidFill>
                   <a:srgbClr val="FFFFFF"/>
                 </a:solidFill>
@@ -9113,7 +9111,7 @@
           <a:noFill/>
           <a:extLst>
             <a:ext uri="{909E8E84-426E-40dd-AFC4-6F175D3DCCD1}">
-              <a14:hiddenFill xmlns:a14="http://schemas.microsoft.com/office/drawing/2010/main" xmlns="">
+              <a14:hiddenFill xmlns="" xmlns:a14="http://schemas.microsoft.com/office/drawing/2010/main">
                 <a:solidFill>
                   <a:srgbClr val="FFFFFF"/>
                 </a:solidFill>
@@ -9126,741 +9124,6 @@
     <p:extLst>
       <p:ext uri="{BB962C8B-B14F-4D97-AF65-F5344CB8AC3E}">
         <p14:creationId xmlns:p14="http://schemas.microsoft.com/office/powerpoint/2010/main" val="1277494667"/>
-      </p:ext>
-    </p:extLst>
-  </p:cSld>
-  <p:clrMapOvr>
-    <a:masterClrMapping/>
-  </p:clrMapOvr>
-</p:sld>
-</file>
-
-<file path=ppt/slides/slide12.xml><?xml version="1.0" encoding="utf-8"?>
-<p:sld xmlns:a="http://schemas.openxmlformats.org/drawingml/2006/main" xmlns:r="http://schemas.openxmlformats.org/officeDocument/2006/relationships" xmlns:p="http://schemas.openxmlformats.org/presentationml/2006/main">
-  <p:cSld>
-    <p:spTree>
-      <p:nvGrpSpPr>
-        <p:cNvPr id="1" name=""/>
-        <p:cNvGrpSpPr/>
-        <p:nvPr/>
-      </p:nvGrpSpPr>
-      <p:grpSpPr>
-        <a:xfrm>
-          <a:off x="0" y="0"/>
-          <a:ext cx="0" cy="0"/>
-          <a:chOff x="0" y="0"/>
-          <a:chExt cx="0" cy="0"/>
-        </a:xfrm>
-      </p:grpSpPr>
-      <p:sp>
-        <p:nvSpPr>
-          <p:cNvPr id="3" name="Title 2" hidden="1">
-            <a:extLst>
-              <a:ext uri="{FF2B5EF4-FFF2-40B4-BE49-F238E27FC236}">
-                <a16:creationId xmlns:a16="http://schemas.microsoft.com/office/drawing/2014/main" id="{28A3E57F-DE9A-45F6-BEF3-EF8EEA07E065}"/>
-              </a:ext>
-            </a:extLst>
-          </p:cNvPr>
-          <p:cNvSpPr>
-            <a:spLocks noGrp="1"/>
-          </p:cNvSpPr>
-          <p:nvPr>
-            <p:ph type="title"/>
-          </p:nvPr>
-        </p:nvSpPr>
-        <p:spPr>
-          <a:xfrm>
-            <a:off x="2802662" y="756357"/>
-            <a:ext cx="8187071" cy="1253066"/>
-          </a:xfrm>
-        </p:spPr>
-        <p:txBody>
-          <a:bodyPr/>
-          <a:lstStyle/>
-          <a:p>
-            <a:r>
-              <a:rPr lang="en-US" dirty="0"/>
-              <a:t>Slide Tite</a:t>
-            </a:r>
-          </a:p>
-        </p:txBody>
-      </p:sp>
-      <p:pic>
-        <p:nvPicPr>
-          <p:cNvPr id="4" name="Picture 3" descr="A person wearing a suit and tie&#10;&#10;Description automatically generated">
-            <a:extLst>
-              <a:ext uri="{FF2B5EF4-FFF2-40B4-BE49-F238E27FC236}">
-                <a16:creationId xmlns:a16="http://schemas.microsoft.com/office/drawing/2014/main" id="{F0DDE381-F9AB-4BF1-8171-9584A5C14467}"/>
-              </a:ext>
-            </a:extLst>
-          </p:cNvPr>
-          <p:cNvPicPr>
-            <a:picLocks noChangeAspect="1"/>
-          </p:cNvPicPr>
-          <p:nvPr/>
-        </p:nvPicPr>
-        <p:blipFill>
-          <a:blip r:embed="rId2">
-            <a:extLst>
-              <a:ext uri="{28A0092B-C50C-407E-A947-70E740481C1C}">
-                <a14:useLocalDpi xmlns:a14="http://schemas.microsoft.com/office/drawing/2010/main" val="0"/>
-              </a:ext>
-            </a:extLst>
-          </a:blip>
-          <a:stretch>
-            <a:fillRect/>
-          </a:stretch>
-        </p:blipFill>
-        <p:spPr>
-          <a:xfrm>
-            <a:off x="4846320" y="1196340"/>
-            <a:ext cx="3962400" cy="3962400"/>
-          </a:xfrm>
-          <a:prstGeom prst="rect">
-            <a:avLst/>
-          </a:prstGeom>
-        </p:spPr>
-      </p:pic>
-      <p:sp>
-        <p:nvSpPr>
-          <p:cNvPr id="7" name="Title 1">
-            <a:extLst>
-              <a:ext uri="{FF2B5EF4-FFF2-40B4-BE49-F238E27FC236}">
-                <a16:creationId xmlns:a16="http://schemas.microsoft.com/office/drawing/2014/main" id="{ADB01E4E-089C-47C0-8D5A-4614BAA41239}"/>
-              </a:ext>
-            </a:extLst>
-          </p:cNvPr>
-          <p:cNvSpPr txBox="1">
-            <a:spLocks/>
-          </p:cNvSpPr>
-          <p:nvPr/>
-        </p:nvSpPr>
-        <p:spPr>
-          <a:xfrm>
-            <a:off x="1868898" y="5661660"/>
-            <a:ext cx="10178322" cy="646315"/>
-          </a:xfrm>
-          <a:prstGeom prst="rect">
-            <a:avLst/>
-          </a:prstGeom>
-        </p:spPr>
-        <p:txBody>
-          <a:bodyPr vert="horz" lIns="91440" tIns="45720" rIns="91440" bIns="45720" rtlCol="0" anchor="b">
-            <a:normAutofit fontScale="97500"/>
-          </a:bodyPr>
-          <a:lstStyle>
-            <a:lvl1pPr algn="l" defTabSz="914400" rtl="0" eaLnBrk="1" latinLnBrk="0" hangingPunct="1">
-              <a:lnSpc>
-                <a:spcPct val="90000"/>
-              </a:lnSpc>
-              <a:spcBef>
-                <a:spcPct val="0"/>
-              </a:spcBef>
-              <a:buNone/>
-              <a:defRPr sz="8400" kern="1200" cap="all" spc="800" baseline="0">
-                <a:solidFill>
-                  <a:schemeClr val="tx2"/>
-                </a:solidFill>
-                <a:latin typeface="+mj-lt"/>
-                <a:ea typeface="+mj-ea"/>
-                <a:cs typeface="+mj-cs"/>
-              </a:defRPr>
-            </a:lvl1pPr>
-          </a:lstStyle>
-          <a:p>
-            <a:pPr algn="ctr"/>
-            <a:r>
-              <a:rPr lang="en-US" sz="4000" dirty="0">
-                <a:latin typeface="Bodoni MT" panose="02070603080606020203" pitchFamily="18" charset="0"/>
-              </a:rPr>
-              <a:t>Markus (Notch) Persson</a:t>
-            </a:r>
-          </a:p>
-        </p:txBody>
-      </p:sp>
-      <p:sp>
-        <p:nvSpPr>
-          <p:cNvPr id="8" name="Title 1">
-            <a:extLst>
-              <a:ext uri="{FF2B5EF4-FFF2-40B4-BE49-F238E27FC236}">
-                <a16:creationId xmlns:a16="http://schemas.microsoft.com/office/drawing/2014/main" id="{7986D886-272C-4903-8E82-DF7DB7534CBC}"/>
-              </a:ext>
-            </a:extLst>
-          </p:cNvPr>
-          <p:cNvSpPr txBox="1">
-            <a:spLocks/>
-          </p:cNvSpPr>
-          <p:nvPr/>
-        </p:nvSpPr>
-        <p:spPr>
-          <a:xfrm>
-            <a:off x="1529808" y="226867"/>
-            <a:ext cx="10178322" cy="646315"/>
-          </a:xfrm>
-          <a:prstGeom prst="rect">
-            <a:avLst/>
-          </a:prstGeom>
-        </p:spPr>
-        <p:txBody>
-          <a:bodyPr vert="horz" lIns="91440" tIns="45720" rIns="91440" bIns="45720" rtlCol="0" anchor="b">
-            <a:normAutofit fontScale="97500"/>
-          </a:bodyPr>
-          <a:lstStyle>
-            <a:lvl1pPr algn="l" defTabSz="914400" rtl="0" eaLnBrk="1" latinLnBrk="0" hangingPunct="1">
-              <a:lnSpc>
-                <a:spcPct val="90000"/>
-              </a:lnSpc>
-              <a:spcBef>
-                <a:spcPct val="0"/>
-              </a:spcBef>
-              <a:buNone/>
-              <a:defRPr sz="8400" kern="1200" cap="all" spc="800" baseline="0">
-                <a:solidFill>
-                  <a:schemeClr val="tx2"/>
-                </a:solidFill>
-                <a:latin typeface="+mj-lt"/>
-                <a:ea typeface="+mj-ea"/>
-                <a:cs typeface="+mj-cs"/>
-              </a:defRPr>
-            </a:lvl1pPr>
-          </a:lstStyle>
-          <a:p>
-            <a:pPr algn="ctr"/>
-            <a:r>
-              <a:rPr lang="en-US" sz="4000" dirty="0">
-                <a:latin typeface="Bodoni MT" panose="02070603080606020203" pitchFamily="18" charset="0"/>
-              </a:rPr>
-              <a:t>Minecraft</a:t>
-            </a:r>
-          </a:p>
-        </p:txBody>
-      </p:sp>
-    </p:spTree>
-    <p:extLst>
-      <p:ext uri="{BB962C8B-B14F-4D97-AF65-F5344CB8AC3E}">
-        <p14:creationId xmlns:p14="http://schemas.microsoft.com/office/powerpoint/2010/main" val="1059349071"/>
-      </p:ext>
-    </p:extLst>
-  </p:cSld>
-  <p:clrMapOvr>
-    <a:masterClrMapping/>
-  </p:clrMapOvr>
-  <p:timing>
-    <p:tnLst>
-      <p:par>
-        <p:cTn id="1" dur="indefinite" restart="never" nodeType="tmRoot">
-          <p:childTnLst>
-            <p:seq concurrent="1" nextAc="seek">
-              <p:cTn id="2" dur="indefinite" nodeType="mainSeq">
-                <p:childTnLst>
-                  <p:par>
-                    <p:cTn id="3" fill="hold">
-                      <p:stCondLst>
-                        <p:cond delay="indefinite"/>
-                      </p:stCondLst>
-                      <p:childTnLst>
-                        <p:par>
-                          <p:cTn id="4" fill="hold">
-                            <p:stCondLst>
-                              <p:cond delay="0"/>
-                            </p:stCondLst>
-                            <p:childTnLst>
-                              <p:par>
-                                <p:cTn id="5" presetID="2" presetClass="entr" presetSubtype="4" fill="hold" grpId="0" nodeType="clickEffect">
-                                  <p:stCondLst>
-                                    <p:cond delay="0"/>
-                                  </p:stCondLst>
-                                  <p:childTnLst>
-                                    <p:set>
-                                      <p:cBhvr>
-                                        <p:cTn id="6" dur="1" fill="hold">
-                                          <p:stCondLst>
-                                            <p:cond delay="0"/>
-                                          </p:stCondLst>
-                                        </p:cTn>
-                                        <p:tgtEl>
-                                          <p:spTgt spid="7"/>
-                                        </p:tgtEl>
-                                        <p:attrNameLst>
-                                          <p:attrName>style.visibility</p:attrName>
-                                        </p:attrNameLst>
-                                      </p:cBhvr>
-                                      <p:to>
-                                        <p:strVal val="visible"/>
-                                      </p:to>
-                                    </p:set>
-                                    <p:anim calcmode="lin" valueType="num">
-                                      <p:cBhvr additive="base">
-                                        <p:cTn id="7" dur="500" fill="hold"/>
-                                        <p:tgtEl>
-                                          <p:spTgt spid="7"/>
-                                        </p:tgtEl>
-                                        <p:attrNameLst>
-                                          <p:attrName>ppt_x</p:attrName>
-                                        </p:attrNameLst>
-                                      </p:cBhvr>
-                                      <p:tavLst>
-                                        <p:tav tm="0">
-                                          <p:val>
-                                            <p:strVal val="#ppt_x"/>
-                                          </p:val>
-                                        </p:tav>
-                                        <p:tav tm="100000">
-                                          <p:val>
-                                            <p:strVal val="#ppt_x"/>
-                                          </p:val>
-                                        </p:tav>
-                                      </p:tavLst>
-                                    </p:anim>
-                                    <p:anim calcmode="lin" valueType="num">
-                                      <p:cBhvr additive="base">
-                                        <p:cTn id="8" dur="500" fill="hold"/>
-                                        <p:tgtEl>
-                                          <p:spTgt spid="7"/>
-                                        </p:tgtEl>
-                                        <p:attrNameLst>
-                                          <p:attrName>ppt_y</p:attrName>
-                                        </p:attrNameLst>
-                                      </p:cBhvr>
-                                      <p:tavLst>
-                                        <p:tav tm="0">
-                                          <p:val>
-                                            <p:strVal val="1+#ppt_h/2"/>
-                                          </p:val>
-                                        </p:tav>
-                                        <p:tav tm="100000">
-                                          <p:val>
-                                            <p:strVal val="#ppt_y"/>
-                                          </p:val>
-                                        </p:tav>
-                                      </p:tavLst>
-                                    </p:anim>
-                                  </p:childTnLst>
-                                </p:cTn>
-                              </p:par>
-                              <p:par>
-                                <p:cTn id="9" presetID="2" presetClass="entr" presetSubtype="4" fill="hold" grpId="0" nodeType="withEffect">
-                                  <p:stCondLst>
-                                    <p:cond delay="0"/>
-                                  </p:stCondLst>
-                                  <p:childTnLst>
-                                    <p:set>
-                                      <p:cBhvr>
-                                        <p:cTn id="10" dur="1" fill="hold">
-                                          <p:stCondLst>
-                                            <p:cond delay="0"/>
-                                          </p:stCondLst>
-                                        </p:cTn>
-                                        <p:tgtEl>
-                                          <p:spTgt spid="8"/>
-                                        </p:tgtEl>
-                                        <p:attrNameLst>
-                                          <p:attrName>style.visibility</p:attrName>
-                                        </p:attrNameLst>
-                                      </p:cBhvr>
-                                      <p:to>
-                                        <p:strVal val="visible"/>
-                                      </p:to>
-                                    </p:set>
-                                    <p:anim calcmode="lin" valueType="num">
-                                      <p:cBhvr additive="base">
-                                        <p:cTn id="11" dur="500" fill="hold"/>
-                                        <p:tgtEl>
-                                          <p:spTgt spid="8"/>
-                                        </p:tgtEl>
-                                        <p:attrNameLst>
-                                          <p:attrName>ppt_x</p:attrName>
-                                        </p:attrNameLst>
-                                      </p:cBhvr>
-                                      <p:tavLst>
-                                        <p:tav tm="0">
-                                          <p:val>
-                                            <p:strVal val="#ppt_x"/>
-                                          </p:val>
-                                        </p:tav>
-                                        <p:tav tm="100000">
-                                          <p:val>
-                                            <p:strVal val="#ppt_x"/>
-                                          </p:val>
-                                        </p:tav>
-                                      </p:tavLst>
-                                    </p:anim>
-                                    <p:anim calcmode="lin" valueType="num">
-                                      <p:cBhvr additive="base">
-                                        <p:cTn id="12" dur="500" fill="hold"/>
-                                        <p:tgtEl>
-                                          <p:spTgt spid="8"/>
-                                        </p:tgtEl>
-                                        <p:attrNameLst>
-                                          <p:attrName>ppt_y</p:attrName>
-                                        </p:attrNameLst>
-                                      </p:cBhvr>
-                                      <p:tavLst>
-                                        <p:tav tm="0">
-                                          <p:val>
-                                            <p:strVal val="1+#ppt_h/2"/>
-                                          </p:val>
-                                        </p:tav>
-                                        <p:tav tm="100000">
-                                          <p:val>
-                                            <p:strVal val="#ppt_y"/>
-                                          </p:val>
-                                        </p:tav>
-                                      </p:tavLst>
-                                    </p:anim>
-                                  </p:childTnLst>
-                                </p:cTn>
-                              </p:par>
-                            </p:childTnLst>
-                          </p:cTn>
-                        </p:par>
-                      </p:childTnLst>
-                    </p:cTn>
-                  </p:par>
-                </p:childTnLst>
-              </p:cTn>
-              <p:prevCondLst>
-                <p:cond evt="onPrev" delay="0">
-                  <p:tgtEl>
-                    <p:sldTgt/>
-                  </p:tgtEl>
-                </p:cond>
-              </p:prevCondLst>
-              <p:nextCondLst>
-                <p:cond evt="onNext" delay="0">
-                  <p:tgtEl>
-                    <p:sldTgt/>
-                  </p:tgtEl>
-                </p:cond>
-              </p:nextCondLst>
-            </p:seq>
-          </p:childTnLst>
-        </p:cTn>
-      </p:par>
-    </p:tnLst>
-    <p:bldLst>
-      <p:bldP spid="7" grpId="0"/>
-      <p:bldP spid="8" grpId="0"/>
-    </p:bldLst>
-  </p:timing>
-</p:sld>
-</file>
-
-<file path=ppt/slides/slide13.xml><?xml version="1.0" encoding="utf-8"?>
-<p:sld xmlns:a="http://schemas.openxmlformats.org/drawingml/2006/main" xmlns:r="http://schemas.openxmlformats.org/officeDocument/2006/relationships" xmlns:p="http://schemas.openxmlformats.org/presentationml/2006/main">
-  <p:cSld>
-    <p:spTree>
-      <p:nvGrpSpPr>
-        <p:cNvPr id="1" name=""/>
-        <p:cNvGrpSpPr/>
-        <p:nvPr/>
-      </p:nvGrpSpPr>
-      <p:grpSpPr>
-        <a:xfrm>
-          <a:off x="0" y="0"/>
-          <a:ext cx="0" cy="0"/>
-          <a:chOff x="0" y="0"/>
-          <a:chExt cx="0" cy="0"/>
-        </a:xfrm>
-      </p:grpSpPr>
-      <p:pic>
-        <p:nvPicPr>
-          <p:cNvPr id="9" name="Picture 8" descr="A picture containing outdoor, grass, bus, building&#10;&#10;Description automatically generated">
-            <a:extLst>
-              <a:ext uri="{FF2B5EF4-FFF2-40B4-BE49-F238E27FC236}">
-                <a16:creationId xmlns:a16="http://schemas.microsoft.com/office/drawing/2014/main" id="{F6B042FF-D3D2-4230-8469-52CA1C1AC6A1}"/>
-              </a:ext>
-            </a:extLst>
-          </p:cNvPr>
-          <p:cNvPicPr>
-            <a:picLocks noChangeAspect="1"/>
-          </p:cNvPicPr>
-          <p:nvPr/>
-        </p:nvPicPr>
-        <p:blipFill>
-          <a:blip r:embed="rId2">
-            <a:extLst>
-              <a:ext uri="{28A0092B-C50C-407E-A947-70E740481C1C}">
-                <a14:useLocalDpi xmlns:a14="http://schemas.microsoft.com/office/drawing/2010/main" val="0"/>
-              </a:ext>
-            </a:extLst>
-          </a:blip>
-          <a:stretch>
-            <a:fillRect/>
-          </a:stretch>
-        </p:blipFill>
-        <p:spPr>
-          <a:xfrm>
-            <a:off x="6930855" y="927837"/>
-            <a:ext cx="4851496" cy="3232623"/>
-          </a:xfrm>
-          <a:prstGeom prst="rect">
-            <a:avLst/>
-          </a:prstGeom>
-        </p:spPr>
-      </p:pic>
-      <p:pic>
-        <p:nvPicPr>
-          <p:cNvPr id="11" name="Picture 10" descr="Two people posing for a picture&#10;&#10;Description automatically generated">
-            <a:extLst>
-              <a:ext uri="{FF2B5EF4-FFF2-40B4-BE49-F238E27FC236}">
-                <a16:creationId xmlns:a16="http://schemas.microsoft.com/office/drawing/2014/main" id="{C5775A5B-9C7F-43A1-AF4F-B8280FF112E6}"/>
-              </a:ext>
-            </a:extLst>
-          </p:cNvPr>
-          <p:cNvPicPr>
-            <a:picLocks noChangeAspect="1"/>
-          </p:cNvPicPr>
-          <p:nvPr/>
-        </p:nvPicPr>
-        <p:blipFill>
-          <a:blip r:embed="rId3">
-            <a:extLst>
-              <a:ext uri="{28A0092B-C50C-407E-A947-70E740481C1C}">
-                <a14:useLocalDpi xmlns:a14="http://schemas.microsoft.com/office/drawing/2010/main" val="0"/>
-              </a:ext>
-            </a:extLst>
-          </a:blip>
-          <a:stretch>
-            <a:fillRect/>
-          </a:stretch>
-        </p:blipFill>
-        <p:spPr>
-          <a:xfrm>
-            <a:off x="7846190" y="4577639"/>
-            <a:ext cx="3936161" cy="2214091"/>
-          </a:xfrm>
-          <a:prstGeom prst="rect">
-            <a:avLst/>
-          </a:prstGeom>
-        </p:spPr>
-      </p:pic>
-      <p:pic>
-        <p:nvPicPr>
-          <p:cNvPr id="13" name="Picture 12" descr="A picture containing table, train, person, sign&#10;&#10;Description automatically generated">
-            <a:extLst>
-              <a:ext uri="{FF2B5EF4-FFF2-40B4-BE49-F238E27FC236}">
-                <a16:creationId xmlns:a16="http://schemas.microsoft.com/office/drawing/2014/main" id="{27BAC2D2-E96F-4D27-9D9B-ED94ADB2B625}"/>
-              </a:ext>
-            </a:extLst>
-          </p:cNvPr>
-          <p:cNvPicPr>
-            <a:picLocks noChangeAspect="1"/>
-          </p:cNvPicPr>
-          <p:nvPr/>
-        </p:nvPicPr>
-        <p:blipFill>
-          <a:blip r:embed="rId4">
-            <a:extLst>
-              <a:ext uri="{28A0092B-C50C-407E-A947-70E740481C1C}">
-                <a14:useLocalDpi xmlns:a14="http://schemas.microsoft.com/office/drawing/2010/main" val="0"/>
-              </a:ext>
-            </a:extLst>
-          </a:blip>
-          <a:stretch>
-            <a:fillRect/>
-          </a:stretch>
-        </p:blipFill>
-        <p:spPr>
-          <a:xfrm>
-            <a:off x="1424986" y="2848374"/>
-            <a:ext cx="3936161" cy="2215496"/>
-          </a:xfrm>
-          <a:prstGeom prst="rect">
-            <a:avLst/>
-          </a:prstGeom>
-        </p:spPr>
-      </p:pic>
-      <p:pic>
-        <p:nvPicPr>
-          <p:cNvPr id="15" name="Picture 14" descr="A person wearing a suit and tie&#10;&#10;Description automatically generated">
-            <a:extLst>
-              <a:ext uri="{FF2B5EF4-FFF2-40B4-BE49-F238E27FC236}">
-                <a16:creationId xmlns:a16="http://schemas.microsoft.com/office/drawing/2014/main" id="{32B2469F-B5A7-4EA5-9940-1F4D912A42FA}"/>
-              </a:ext>
-            </a:extLst>
-          </p:cNvPr>
-          <p:cNvPicPr>
-            <a:picLocks noChangeAspect="1"/>
-          </p:cNvPicPr>
-          <p:nvPr/>
-        </p:nvPicPr>
-        <p:blipFill>
-          <a:blip r:embed="rId5">
-            <a:extLst>
-              <a:ext uri="{28A0092B-C50C-407E-A947-70E740481C1C}">
-                <a14:useLocalDpi xmlns:a14="http://schemas.microsoft.com/office/drawing/2010/main" val="0"/>
-              </a:ext>
-            </a:extLst>
-          </a:blip>
-          <a:stretch>
-            <a:fillRect/>
-          </a:stretch>
-        </p:blipFill>
-        <p:spPr>
-          <a:xfrm>
-            <a:off x="2486737" y="978659"/>
-            <a:ext cx="1565490" cy="1565490"/>
-          </a:xfrm>
-          <a:prstGeom prst="rect">
-            <a:avLst/>
-          </a:prstGeom>
-        </p:spPr>
-      </p:pic>
-      <p:sp>
-        <p:nvSpPr>
-          <p:cNvPr id="16" name="TextBox 15">
-            <a:extLst>
-              <a:ext uri="{FF2B5EF4-FFF2-40B4-BE49-F238E27FC236}">
-                <a16:creationId xmlns:a16="http://schemas.microsoft.com/office/drawing/2014/main" id="{A2E452F2-F0A0-491B-8EFC-E2FD0713E13B}"/>
-              </a:ext>
-            </a:extLst>
-          </p:cNvPr>
-          <p:cNvSpPr txBox="1"/>
-          <p:nvPr/>
-        </p:nvSpPr>
-        <p:spPr>
-          <a:xfrm>
-            <a:off x="2338649" y="5183429"/>
-            <a:ext cx="3936161" cy="369332"/>
-          </a:xfrm>
-          <a:prstGeom prst="rect">
-            <a:avLst/>
-          </a:prstGeom>
-          <a:noFill/>
-        </p:spPr>
-        <p:txBody>
-          <a:bodyPr wrap="square" rtlCol="0">
-            <a:spAutoFit/>
-          </a:bodyPr>
-          <a:lstStyle/>
-          <a:p>
-            <a:r>
-              <a:rPr lang="sv-SE" dirty="0"/>
-              <a:t>2.6 miljarder dollar</a:t>
-            </a:r>
-          </a:p>
-        </p:txBody>
-      </p:sp>
-      <p:sp>
-        <p:nvSpPr>
-          <p:cNvPr id="17" name="TextBox 16">
-            <a:extLst>
-              <a:ext uri="{FF2B5EF4-FFF2-40B4-BE49-F238E27FC236}">
-                <a16:creationId xmlns:a16="http://schemas.microsoft.com/office/drawing/2014/main" id="{80D00071-E932-412B-BBB4-8259B44544DD}"/>
-              </a:ext>
-            </a:extLst>
-          </p:cNvPr>
-          <p:cNvSpPr txBox="1"/>
-          <p:nvPr/>
-        </p:nvSpPr>
-        <p:spPr>
-          <a:xfrm>
-            <a:off x="8450580" y="4208307"/>
-            <a:ext cx="3936161" cy="369332"/>
-          </a:xfrm>
-          <a:prstGeom prst="rect">
-            <a:avLst/>
-          </a:prstGeom>
-          <a:noFill/>
-        </p:spPr>
-        <p:txBody>
-          <a:bodyPr wrap="square" rtlCol="0">
-            <a:spAutoFit/>
-          </a:bodyPr>
-          <a:lstStyle/>
-          <a:p>
-            <a:r>
-              <a:rPr lang="sv-SE" dirty="0"/>
-              <a:t>0.5 miljarder kr</a:t>
-            </a:r>
-          </a:p>
-        </p:txBody>
-      </p:sp>
-      <p:pic>
-        <p:nvPicPr>
-          <p:cNvPr id="18" name="Picture 17">
-            <a:extLst>
-              <a:ext uri="{FF2B5EF4-FFF2-40B4-BE49-F238E27FC236}">
-                <a16:creationId xmlns:a16="http://schemas.microsoft.com/office/drawing/2014/main" id="{D9A418AC-46B4-4446-8979-E370E365B0EE}"/>
-              </a:ext>
-            </a:extLst>
-          </p:cNvPr>
-          <p:cNvPicPr>
-            <a:picLocks noChangeAspect="1"/>
-          </p:cNvPicPr>
-          <p:nvPr/>
-        </p:nvPicPr>
-        <p:blipFill>
-          <a:blip r:embed="rId6"/>
-          <a:stretch>
-            <a:fillRect/>
-          </a:stretch>
-        </p:blipFill>
-        <p:spPr>
-          <a:xfrm>
-            <a:off x="1814861" y="5672320"/>
-            <a:ext cx="3156412" cy="947366"/>
-          </a:xfrm>
-          <a:prstGeom prst="rect">
-            <a:avLst/>
-          </a:prstGeom>
-        </p:spPr>
-      </p:pic>
-      <p:sp>
-        <p:nvSpPr>
-          <p:cNvPr id="19" name="Title 1">
-            <a:extLst>
-              <a:ext uri="{FF2B5EF4-FFF2-40B4-BE49-F238E27FC236}">
-                <a16:creationId xmlns:a16="http://schemas.microsoft.com/office/drawing/2014/main" id="{8B4D4CA6-39C8-44EB-AA41-65F935F2A5A5}"/>
-              </a:ext>
-            </a:extLst>
-          </p:cNvPr>
-          <p:cNvSpPr>
-            <a:spLocks noGrp="1"/>
-          </p:cNvSpPr>
-          <p:nvPr>
-            <p:ph type="title"/>
-          </p:nvPr>
-        </p:nvSpPr>
-        <p:spPr>
-          <a:xfrm>
-            <a:off x="1185649" y="187500"/>
-            <a:ext cx="10178322" cy="646315"/>
-          </a:xfrm>
-        </p:spPr>
-        <p:txBody>
-          <a:bodyPr>
-            <a:normAutofit fontScale="90000"/>
-          </a:bodyPr>
-          <a:lstStyle/>
-          <a:p>
-            <a:pPr algn="ctr"/>
-            <a:r>
-              <a:rPr lang="en-US" sz="4000" dirty="0">
-                <a:latin typeface="Bodoni MT" panose="02070603080606020203" pitchFamily="18" charset="0"/>
-              </a:rPr>
-              <a:t>Inspiration </a:t>
-            </a:r>
-            <a:r>
-              <a:rPr lang="en-US" sz="4000" dirty="0" err="1">
-                <a:latin typeface="Bodoni MT" panose="02070603080606020203" pitchFamily="18" charset="0"/>
-              </a:rPr>
-              <a:t>inte</a:t>
-            </a:r>
-            <a:r>
-              <a:rPr lang="en-US" sz="4000" dirty="0">
-                <a:latin typeface="Bodoni MT" panose="02070603080606020203" pitchFamily="18" charset="0"/>
-              </a:rPr>
-              <a:t> motivation</a:t>
-            </a:r>
-          </a:p>
-        </p:txBody>
-      </p:sp>
-    </p:spTree>
-    <p:extLst>
-      <p:ext uri="{BB962C8B-B14F-4D97-AF65-F5344CB8AC3E}">
-        <p14:creationId xmlns:p14="http://schemas.microsoft.com/office/powerpoint/2010/main" val="2430620764"/>
       </p:ext>
     </p:extLst>
   </p:cSld>
@@ -10444,7 +9707,7 @@
           <a:noFill/>
           <a:extLst>
             <a:ext uri="{909E8E84-426E-40dd-AFC4-6F175D3DCCD1}">
-              <a14:hiddenFill xmlns="" xmlns:a14="http://schemas.microsoft.com/office/drawing/2010/main" xmlns:lc="http://schemas.openxmlformats.org/drawingml/2006/lockedCanvas">
+              <a14:hiddenFill xmlns:lc="http://schemas.openxmlformats.org/drawingml/2006/lockedCanvas" xmlns:a14="http://schemas.microsoft.com/office/drawing/2010/main" xmlns="">
                 <a:solidFill>
                   <a:srgbClr val="FFFFFF"/>
                 </a:solidFill>
@@ -11222,7 +10485,7 @@
           <a:noFill/>
           <a:extLst>
             <a:ext uri="{909E8E84-426E-40dd-AFC4-6F175D3DCCD1}">
-              <a14:hiddenFill xmlns="" xmlns:a14="http://schemas.microsoft.com/office/drawing/2010/main" xmlns:lc="http://schemas.openxmlformats.org/drawingml/2006/lockedCanvas">
+              <a14:hiddenFill xmlns:lc="http://schemas.openxmlformats.org/drawingml/2006/lockedCanvas" xmlns:a14="http://schemas.microsoft.com/office/drawing/2010/main" xmlns="">
                 <a:solidFill>
                   <a:srgbClr val="FFFFFF"/>
                 </a:solidFill>
@@ -11269,7 +10532,7 @@
           <a:noFill/>
           <a:extLst>
             <a:ext uri="{909E8E84-426E-40dd-AFC4-6F175D3DCCD1}">
-              <a14:hiddenFill xmlns="" xmlns:a14="http://schemas.microsoft.com/office/drawing/2010/main" xmlns:lc="http://schemas.openxmlformats.org/drawingml/2006/lockedCanvas">
+              <a14:hiddenFill xmlns:lc="http://schemas.openxmlformats.org/drawingml/2006/lockedCanvas" xmlns:a14="http://schemas.microsoft.com/office/drawing/2010/main" xmlns="">
                 <a:solidFill>
                   <a:srgbClr val="FFFFFF"/>
                 </a:solidFill>
@@ -11316,7 +10579,7 @@
           <a:noFill/>
           <a:extLst>
             <a:ext uri="{909E8E84-426E-40dd-AFC4-6F175D3DCCD1}">
-              <a14:hiddenFill xmlns="" xmlns:a14="http://schemas.microsoft.com/office/drawing/2010/main" xmlns:lc="http://schemas.openxmlformats.org/drawingml/2006/lockedCanvas">
+              <a14:hiddenFill xmlns:lc="http://schemas.openxmlformats.org/drawingml/2006/lockedCanvas" xmlns:a14="http://schemas.microsoft.com/office/drawing/2010/main" xmlns="">
                 <a:solidFill>
                   <a:srgbClr val="FFFFFF"/>
                 </a:solidFill>
@@ -11363,7 +10626,7 @@
           <a:noFill/>
           <a:extLst>
             <a:ext uri="{909E8E84-426E-40dd-AFC4-6F175D3DCCD1}">
-              <a14:hiddenFill xmlns="" xmlns:a14="http://schemas.microsoft.com/office/drawing/2010/main" xmlns:lc="http://schemas.openxmlformats.org/drawingml/2006/lockedCanvas">
+              <a14:hiddenFill xmlns:lc="http://schemas.openxmlformats.org/drawingml/2006/lockedCanvas" xmlns:a14="http://schemas.microsoft.com/office/drawing/2010/main" xmlns="">
                 <a:solidFill>
                   <a:srgbClr val="FFFFFF"/>
                 </a:solidFill>
@@ -11410,7 +10673,7 @@
           <a:noFill/>
           <a:extLst>
             <a:ext uri="{909E8E84-426E-40dd-AFC4-6F175D3DCCD1}">
-              <a14:hiddenFill xmlns="" xmlns:a14="http://schemas.microsoft.com/office/drawing/2010/main" xmlns:lc="http://schemas.openxmlformats.org/drawingml/2006/lockedCanvas">
+              <a14:hiddenFill xmlns:lc="http://schemas.openxmlformats.org/drawingml/2006/lockedCanvas" xmlns:a14="http://schemas.microsoft.com/office/drawing/2010/main" xmlns="">
                 <a:solidFill>
                   <a:srgbClr val="FFFFFF"/>
                 </a:solidFill>
@@ -11457,7 +10720,7 @@
           <a:noFill/>
           <a:extLst>
             <a:ext uri="{909E8E84-426E-40dd-AFC4-6F175D3DCCD1}">
-              <a14:hiddenFill xmlns="" xmlns:a14="http://schemas.microsoft.com/office/drawing/2010/main" xmlns:lc="http://schemas.openxmlformats.org/drawingml/2006/lockedCanvas">
+              <a14:hiddenFill xmlns:lc="http://schemas.openxmlformats.org/drawingml/2006/lockedCanvas" xmlns:a14="http://schemas.microsoft.com/office/drawing/2010/main" xmlns="">
                 <a:solidFill>
                   <a:srgbClr val="FFFFFF"/>
                 </a:solidFill>
@@ -11504,7 +10767,7 @@
           <a:noFill/>
           <a:extLst>
             <a:ext uri="{909E8E84-426E-40dd-AFC4-6F175D3DCCD1}">
-              <a14:hiddenFill xmlns="" xmlns:a14="http://schemas.microsoft.com/office/drawing/2010/main" xmlns:lc="http://schemas.openxmlformats.org/drawingml/2006/lockedCanvas">
+              <a14:hiddenFill xmlns:lc="http://schemas.openxmlformats.org/drawingml/2006/lockedCanvas" xmlns:a14="http://schemas.microsoft.com/office/drawing/2010/main" xmlns="">
                 <a:solidFill>
                   <a:srgbClr val="FFFFFF"/>
                 </a:solidFill>
@@ -13339,7 +12602,7 @@
           <a:noFill/>
           <a:extLst>
             <a:ext uri="{909E8E84-426E-40dd-AFC4-6F175D3DCCD1}">
-              <a14:hiddenFill xmlns="" xmlns:a14="http://schemas.microsoft.com/office/drawing/2010/main" xmlns:lc="http://schemas.openxmlformats.org/drawingml/2006/lockedCanvas">
+              <a14:hiddenFill xmlns:lc="http://schemas.openxmlformats.org/drawingml/2006/lockedCanvas" xmlns:a14="http://schemas.microsoft.com/office/drawing/2010/main" xmlns="">
                 <a:solidFill>
                   <a:srgbClr val="FFFFFF"/>
                 </a:solidFill>
@@ -15473,7 +14736,7 @@
           <a:noFill/>
           <a:extLst>
             <a:ext uri="{909E8E84-426E-40dd-AFC4-6F175D3DCCD1}">
-              <a14:hiddenFill xmlns:a14="http://schemas.microsoft.com/office/drawing/2010/main" xmlns="">
+              <a14:hiddenFill xmlns="" xmlns:a14="http://schemas.microsoft.com/office/drawing/2010/main">
                 <a:solidFill>
                   <a:srgbClr val="FFFFFF"/>
                 </a:solidFill>
@@ -15520,7 +14783,7 @@
           <a:noFill/>
           <a:extLst>
             <a:ext uri="{909E8E84-426E-40dd-AFC4-6F175D3DCCD1}">
-              <a14:hiddenFill xmlns:a14="http://schemas.microsoft.com/office/drawing/2010/main" xmlns="">
+              <a14:hiddenFill xmlns="" xmlns:a14="http://schemas.microsoft.com/office/drawing/2010/main">
                 <a:solidFill>
                   <a:srgbClr val="FFFFFF"/>
                 </a:solidFill>
@@ -15951,7 +15214,7 @@
           <a:noFill/>
           <a:extLst>
             <a:ext uri="{909E8E84-426E-40dd-AFC4-6F175D3DCCD1}">
-              <a14:hiddenFill xmlns:a14="http://schemas.microsoft.com/office/drawing/2010/main" xmlns="">
+              <a14:hiddenFill xmlns="" xmlns:a14="http://schemas.microsoft.com/office/drawing/2010/main">
                 <a:solidFill>
                   <a:srgbClr val="FFFFFF"/>
                 </a:solidFill>
@@ -15998,7 +15261,7 @@
           <a:noFill/>
           <a:extLst>
             <a:ext uri="{909E8E84-426E-40dd-AFC4-6F175D3DCCD1}">
-              <a14:hiddenFill xmlns:a14="http://schemas.microsoft.com/office/drawing/2010/main" xmlns="">
+              <a14:hiddenFill xmlns="" xmlns:a14="http://schemas.microsoft.com/office/drawing/2010/main">
                 <a:solidFill>
                   <a:srgbClr val="FFFFFF"/>
                 </a:solidFill>
@@ -16045,7 +15308,7 @@
           <a:noFill/>
           <a:extLst>
             <a:ext uri="{909E8E84-426E-40dd-AFC4-6F175D3DCCD1}">
-              <a14:hiddenFill xmlns:a14="http://schemas.microsoft.com/office/drawing/2010/main" xmlns="">
+              <a14:hiddenFill xmlns="" xmlns:a14="http://schemas.microsoft.com/office/drawing/2010/main">
                 <a:solidFill>
                   <a:srgbClr val="FFFFFF"/>
                 </a:solidFill>
@@ -16129,7 +15392,7 @@
           <a:noFill/>
           <a:extLst>
             <a:ext uri="{909E8E84-426E-40dd-AFC4-6F175D3DCCD1}">
-              <a14:hiddenFill xmlns:a14="http://schemas.microsoft.com/office/drawing/2010/main" xmlns="">
+              <a14:hiddenFill xmlns="" xmlns:a14="http://schemas.microsoft.com/office/drawing/2010/main">
                 <a:solidFill>
                   <a:srgbClr val="FFFFFF"/>
                 </a:solidFill>
@@ -16176,7 +15439,7 @@
           <a:noFill/>
           <a:extLst>
             <a:ext uri="{909E8E84-426E-40dd-AFC4-6F175D3DCCD1}">
-              <a14:hiddenFill xmlns:a14="http://schemas.microsoft.com/office/drawing/2010/main" xmlns="">
+              <a14:hiddenFill xmlns="" xmlns:a14="http://schemas.microsoft.com/office/drawing/2010/main">
                 <a:solidFill>
                   <a:srgbClr val="FFFFFF"/>
                 </a:solidFill>
@@ -16223,7 +15486,7 @@
           <a:noFill/>
           <a:extLst>
             <a:ext uri="{909E8E84-426E-40dd-AFC4-6F175D3DCCD1}">
-              <a14:hiddenFill xmlns:a14="http://schemas.microsoft.com/office/drawing/2010/main" xmlns="">
+              <a14:hiddenFill xmlns="" xmlns:a14="http://schemas.microsoft.com/office/drawing/2010/main">
                 <a:solidFill>
                   <a:srgbClr val="FFFFFF"/>
                 </a:solidFill>
@@ -16270,7 +15533,7 @@
           <a:noFill/>
           <a:extLst>
             <a:ext uri="{909E8E84-426E-40dd-AFC4-6F175D3DCCD1}">
-              <a14:hiddenFill xmlns:a14="http://schemas.microsoft.com/office/drawing/2010/main" xmlns="">
+              <a14:hiddenFill xmlns="" xmlns:a14="http://schemas.microsoft.com/office/drawing/2010/main">
                 <a:solidFill>
                   <a:srgbClr val="FFFFFF"/>
                 </a:solidFill>
@@ -16317,7 +15580,7 @@
           <a:noFill/>
           <a:extLst>
             <a:ext uri="{909E8E84-426E-40dd-AFC4-6F175D3DCCD1}">
-              <a14:hiddenFill xmlns:a14="http://schemas.microsoft.com/office/drawing/2010/main" xmlns="">
+              <a14:hiddenFill xmlns="" xmlns:a14="http://schemas.microsoft.com/office/drawing/2010/main">
                 <a:solidFill>
                   <a:srgbClr val="FFFFFF"/>
                 </a:solidFill>
@@ -16364,7 +15627,7 @@
           <a:noFill/>
           <a:extLst>
             <a:ext uri="{909E8E84-426E-40dd-AFC4-6F175D3DCCD1}">
-              <a14:hiddenFill xmlns:a14="http://schemas.microsoft.com/office/drawing/2010/main" xmlns="">
+              <a14:hiddenFill xmlns="" xmlns:a14="http://schemas.microsoft.com/office/drawing/2010/main">
                 <a:solidFill>
                   <a:srgbClr val="FFFFFF"/>
                 </a:solidFill>
@@ -16411,7 +15674,7 @@
           <a:noFill/>
           <a:extLst>
             <a:ext uri="{909E8E84-426E-40dd-AFC4-6F175D3DCCD1}">
-              <a14:hiddenFill xmlns:a14="http://schemas.microsoft.com/office/drawing/2010/main" xmlns="">
+              <a14:hiddenFill xmlns="" xmlns:a14="http://schemas.microsoft.com/office/drawing/2010/main">
                 <a:solidFill>
                   <a:srgbClr val="FFFFFF"/>
                 </a:solidFill>
@@ -16458,7 +15721,7 @@
           <a:noFill/>
           <a:extLst>
             <a:ext uri="{909E8E84-426E-40dd-AFC4-6F175D3DCCD1}">
-              <a14:hiddenFill xmlns:a14="http://schemas.microsoft.com/office/drawing/2010/main" xmlns="">
+              <a14:hiddenFill xmlns="" xmlns:a14="http://schemas.microsoft.com/office/drawing/2010/main">
                 <a:solidFill>
                   <a:srgbClr val="FFFFFF"/>
                 </a:solidFill>
@@ -16505,7 +15768,7 @@
           <a:noFill/>
           <a:extLst>
             <a:ext uri="{909E8E84-426E-40dd-AFC4-6F175D3DCCD1}">
-              <a14:hiddenFill xmlns:a14="http://schemas.microsoft.com/office/drawing/2010/main" xmlns="">
+              <a14:hiddenFill xmlns="" xmlns:a14="http://schemas.microsoft.com/office/drawing/2010/main">
                 <a:solidFill>
                   <a:srgbClr val="FFFFFF"/>
                 </a:solidFill>
@@ -16552,7 +15815,7 @@
           <a:noFill/>
           <a:extLst>
             <a:ext uri="{909E8E84-426E-40dd-AFC4-6F175D3DCCD1}">
-              <a14:hiddenFill xmlns:a14="http://schemas.microsoft.com/office/drawing/2010/main" xmlns="">
+              <a14:hiddenFill xmlns="" xmlns:a14="http://schemas.microsoft.com/office/drawing/2010/main">
                 <a:solidFill>
                   <a:srgbClr val="FFFFFF"/>
                 </a:solidFill>
@@ -16599,7 +15862,7 @@
           <a:noFill/>
           <a:extLst>
             <a:ext uri="{909E8E84-426E-40dd-AFC4-6F175D3DCCD1}">
-              <a14:hiddenFill xmlns:a14="http://schemas.microsoft.com/office/drawing/2010/main" xmlns="">
+              <a14:hiddenFill xmlns="" xmlns:a14="http://schemas.microsoft.com/office/drawing/2010/main">
                 <a:solidFill>
                   <a:srgbClr val="FFFFFF"/>
                 </a:solidFill>
@@ -17642,7 +16905,7 @@
           <a:noFill/>
           <a:extLst>
             <a:ext uri="{909E8E84-426E-40dd-AFC4-6F175D3DCCD1}">
-              <a14:hiddenFill xmlns:a14="http://schemas.microsoft.com/office/drawing/2010/main" xmlns="">
+              <a14:hiddenFill xmlns="" xmlns:a14="http://schemas.microsoft.com/office/drawing/2010/main">
                 <a:solidFill>
                   <a:srgbClr val="FFFFFF"/>
                 </a:solidFill>
@@ -18108,7 +17371,7 @@
           <a:noFill/>
           <a:extLst>
             <a:ext uri="{909E8E84-426E-40dd-AFC4-6F175D3DCCD1}">
-              <a14:hiddenFill xmlns:a14="http://schemas.microsoft.com/office/drawing/2010/main" xmlns="">
+              <a14:hiddenFill xmlns="" xmlns:a14="http://schemas.microsoft.com/office/drawing/2010/main">
                 <a:solidFill>
                   <a:srgbClr val="FFFFFF"/>
                 </a:solidFill>
@@ -22021,7 +21284,7 @@
           <a:noFill/>
           <a:extLst>
             <a:ext uri="{909E8E84-426E-40dd-AFC4-6F175D3DCCD1}">
-              <a14:hiddenFill xmlns:a14="http://schemas.microsoft.com/office/drawing/2010/main" xmlns="">
+              <a14:hiddenFill xmlns="" xmlns:a14="http://schemas.microsoft.com/office/drawing/2010/main">
                 <a:solidFill>
                   <a:srgbClr val="FFFFFF"/>
                 </a:solidFill>
@@ -22578,7 +21841,7 @@
           <a:noFill/>
           <a:extLst>
             <a:ext uri="{909E8E84-426E-40dd-AFC4-6F175D3DCCD1}">
-              <a14:hiddenFill xmlns:a14="http://schemas.microsoft.com/office/drawing/2010/main" xmlns="">
+              <a14:hiddenFill xmlns="" xmlns:a14="http://schemas.microsoft.com/office/drawing/2010/main">
                 <a:solidFill>
                   <a:srgbClr val="FFFFFF"/>
                 </a:solidFill>
@@ -22625,7 +21888,7 @@
           <a:noFill/>
           <a:extLst>
             <a:ext uri="{909E8E84-426E-40dd-AFC4-6F175D3DCCD1}">
-              <a14:hiddenFill xmlns:a14="http://schemas.microsoft.com/office/drawing/2010/main" xmlns="">
+              <a14:hiddenFill xmlns="" xmlns:a14="http://schemas.microsoft.com/office/drawing/2010/main">
                 <a:solidFill>
                   <a:srgbClr val="FFFFFF"/>
                 </a:solidFill>
@@ -22672,7 +21935,7 @@
           <a:noFill/>
           <a:extLst>
             <a:ext uri="{909E8E84-426E-40dd-AFC4-6F175D3DCCD1}">
-              <a14:hiddenFill xmlns:a14="http://schemas.microsoft.com/office/drawing/2010/main" xmlns="">
+              <a14:hiddenFill xmlns="" xmlns:a14="http://schemas.microsoft.com/office/drawing/2010/main">
                 <a:solidFill>
                   <a:srgbClr val="FFFFFF"/>
                 </a:solidFill>
@@ -23545,12 +22808,11 @@
 </file>
 
 <file path=customXml/item1.xml><?xml version="1.0" encoding="utf-8"?>
-<?mso-contentType ?>
-<FormTemplates xmlns="http://schemas.microsoft.com/sharepoint/v3/contenttype/forms">
-  <Display>DocumentLibraryForm</Display>
-  <Edit>DocumentLibraryForm</Edit>
-  <New>DocumentLibraryForm</New>
-</FormTemplates>
+<p:properties xmlns:p="http://schemas.microsoft.com/office/2006/metadata/properties" xmlns:xsi="http://www.w3.org/2001/XMLSchema-instance" xmlns:pc="http://schemas.microsoft.com/office/infopath/2007/PartnerControls">
+  <documentManagement>
+    <MediaServiceKeyPoints xmlns="71af3243-3dd4-4a8d-8c0d-dd76da1f02a5" xsi:nil="true"/>
+  </documentManagement>
+</p:properties>
 </file>
 
 <file path=customXml/item2.xml><?xml version="1.0" encoding="utf-8"?>
@@ -23765,17 +23027,20 @@
 </file>
 
 <file path=customXml/item3.xml><?xml version="1.0" encoding="utf-8"?>
-<p:properties xmlns:p="http://schemas.microsoft.com/office/2006/metadata/properties" xmlns:xsi="http://www.w3.org/2001/XMLSchema-instance" xmlns:pc="http://schemas.microsoft.com/office/infopath/2007/PartnerControls">
-  <documentManagement>
-    <MediaServiceKeyPoints xmlns="71af3243-3dd4-4a8d-8c0d-dd76da1f02a5" xsi:nil="true"/>
-  </documentManagement>
-</p:properties>
+<?mso-contentType ?>
+<FormTemplates xmlns="http://schemas.microsoft.com/sharepoint/v3/contenttype/forms">
+  <Display>DocumentLibraryForm</Display>
+  <Edit>DocumentLibraryForm</Edit>
+  <New>DocumentLibraryForm</New>
+</FormTemplates>
 </file>
 
 <file path=customXml/itemProps1.xml><?xml version="1.0" encoding="utf-8"?>
-<ds:datastoreItem xmlns:ds="http://schemas.openxmlformats.org/officeDocument/2006/customXml" ds:itemID="{52D0167F-E486-4F9B-83E2-993954E11F03}">
+<ds:datastoreItem xmlns:ds="http://schemas.openxmlformats.org/officeDocument/2006/customXml" ds:itemID="{BDB3E54F-9BB9-4821-81E3-A4EFEC7BD0AD}">
   <ds:schemaRefs>
-    <ds:schemaRef ds:uri="http://schemas.microsoft.com/sharepoint/v3/contenttype/forms"/>
+    <ds:schemaRef ds:uri="http://schemas.microsoft.com/office/2006/metadata/properties"/>
+    <ds:schemaRef ds:uri="http://schemas.microsoft.com/office/infopath/2007/PartnerControls"/>
+    <ds:schemaRef ds:uri="71af3243-3dd4-4a8d-8c0d-dd76da1f02a5"/>
   </ds:schemaRefs>
 </ds:datastoreItem>
 </file>
@@ -23800,11 +23065,9 @@
 </file>
 
 <file path=customXml/itemProps3.xml><?xml version="1.0" encoding="utf-8"?>
-<ds:datastoreItem xmlns:ds="http://schemas.openxmlformats.org/officeDocument/2006/customXml" ds:itemID="{BDB3E54F-9BB9-4821-81E3-A4EFEC7BD0AD}">
+<ds:datastoreItem xmlns:ds="http://schemas.openxmlformats.org/officeDocument/2006/customXml" ds:itemID="{52D0167F-E486-4F9B-83E2-993954E11F03}">
   <ds:schemaRefs>
-    <ds:schemaRef ds:uri="http://schemas.microsoft.com/office/2006/metadata/properties"/>
-    <ds:schemaRef ds:uri="http://schemas.microsoft.com/office/infopath/2007/PartnerControls"/>
-    <ds:schemaRef ds:uri="71af3243-3dd4-4a8d-8c0d-dd76da1f02a5"/>
+    <ds:schemaRef ds:uri="http://schemas.microsoft.com/sharepoint/v3/contenttype/forms"/>
   </ds:schemaRefs>
 </ds:datastoreItem>
 </file>